--- a/Documentation/Images/02_rubot_model/Models.pptx
+++ b/Documentation/Images/02_rubot_model/Models.pptx
@@ -261,7 +261,7 @@
           <a:p>
             <a:fld id="{FE57838B-E04A-4FA0-B52C-9FF96CBE1B1C}" type="datetimeFigureOut">
               <a:rPr lang="en-GB" smtClean="0"/>
-              <a:t>10/11/2025</a:t>
+              <a:t>18/11/2025</a:t>
             </a:fld>
             <a:endParaRPr lang="en-GB"/>
           </a:p>
@@ -459,7 +459,7 @@
           <a:p>
             <a:fld id="{FE57838B-E04A-4FA0-B52C-9FF96CBE1B1C}" type="datetimeFigureOut">
               <a:rPr lang="en-GB" smtClean="0"/>
-              <a:t>10/11/2025</a:t>
+              <a:t>18/11/2025</a:t>
             </a:fld>
             <a:endParaRPr lang="en-GB"/>
           </a:p>
@@ -667,7 +667,7 @@
           <a:p>
             <a:fld id="{FE57838B-E04A-4FA0-B52C-9FF96CBE1B1C}" type="datetimeFigureOut">
               <a:rPr lang="en-GB" smtClean="0"/>
-              <a:t>10/11/2025</a:t>
+              <a:t>18/11/2025</a:t>
             </a:fld>
             <a:endParaRPr lang="en-GB"/>
           </a:p>
@@ -865,7 +865,7 @@
           <a:p>
             <a:fld id="{FE57838B-E04A-4FA0-B52C-9FF96CBE1B1C}" type="datetimeFigureOut">
               <a:rPr lang="en-GB" smtClean="0"/>
-              <a:t>10/11/2025</a:t>
+              <a:t>18/11/2025</a:t>
             </a:fld>
             <a:endParaRPr lang="en-GB"/>
           </a:p>
@@ -1140,7 +1140,7 @@
           <a:p>
             <a:fld id="{FE57838B-E04A-4FA0-B52C-9FF96CBE1B1C}" type="datetimeFigureOut">
               <a:rPr lang="en-GB" smtClean="0"/>
-              <a:t>10/11/2025</a:t>
+              <a:t>18/11/2025</a:t>
             </a:fld>
             <a:endParaRPr lang="en-GB"/>
           </a:p>
@@ -1405,7 +1405,7 @@
           <a:p>
             <a:fld id="{FE57838B-E04A-4FA0-B52C-9FF96CBE1B1C}" type="datetimeFigureOut">
               <a:rPr lang="en-GB" smtClean="0"/>
-              <a:t>10/11/2025</a:t>
+              <a:t>18/11/2025</a:t>
             </a:fld>
             <a:endParaRPr lang="en-GB"/>
           </a:p>
@@ -1817,7 +1817,7 @@
           <a:p>
             <a:fld id="{FE57838B-E04A-4FA0-B52C-9FF96CBE1B1C}" type="datetimeFigureOut">
               <a:rPr lang="en-GB" smtClean="0"/>
-              <a:t>10/11/2025</a:t>
+              <a:t>18/11/2025</a:t>
             </a:fld>
             <a:endParaRPr lang="en-GB"/>
           </a:p>
@@ -1958,7 +1958,7 @@
           <a:p>
             <a:fld id="{FE57838B-E04A-4FA0-B52C-9FF96CBE1B1C}" type="datetimeFigureOut">
               <a:rPr lang="en-GB" smtClean="0"/>
-              <a:t>10/11/2025</a:t>
+              <a:t>18/11/2025</a:t>
             </a:fld>
             <a:endParaRPr lang="en-GB"/>
           </a:p>
@@ -2071,7 +2071,7 @@
           <a:p>
             <a:fld id="{FE57838B-E04A-4FA0-B52C-9FF96CBE1B1C}" type="datetimeFigureOut">
               <a:rPr lang="en-GB" smtClean="0"/>
-              <a:t>10/11/2025</a:t>
+              <a:t>18/11/2025</a:t>
             </a:fld>
             <a:endParaRPr lang="en-GB"/>
           </a:p>
@@ -2382,7 +2382,7 @@
           <a:p>
             <a:fld id="{FE57838B-E04A-4FA0-B52C-9FF96CBE1B1C}" type="datetimeFigureOut">
               <a:rPr lang="en-GB" smtClean="0"/>
-              <a:t>10/11/2025</a:t>
+              <a:t>18/11/2025</a:t>
             </a:fld>
             <a:endParaRPr lang="en-GB"/>
           </a:p>
@@ -2670,7 +2670,7 @@
           <a:p>
             <a:fld id="{FE57838B-E04A-4FA0-B52C-9FF96CBE1B1C}" type="datetimeFigureOut">
               <a:rPr lang="en-GB" smtClean="0"/>
-              <a:t>10/11/2025</a:t>
+              <a:t>18/11/2025</a:t>
             </a:fld>
             <a:endParaRPr lang="en-GB"/>
           </a:p>
@@ -2911,7 +2911,7 @@
           <a:p>
             <a:fld id="{FE57838B-E04A-4FA0-B52C-9FF96CBE1B1C}" type="datetimeFigureOut">
               <a:rPr lang="en-GB" smtClean="0"/>
-              <a:t>10/11/2025</a:t>
+              <a:t>18/11/2025</a:t>
             </a:fld>
             <a:endParaRPr lang="en-GB"/>
           </a:p>
@@ -3494,765 +3494,618 @@
           <a:chExt cx="0" cy="0"/>
         </a:xfrm>
       </p:grpSpPr>
-      <p:grpSp>
-        <p:nvGrpSpPr>
-          <p:cNvPr id="31" name="Agrupa 30">
-            <a:extLst>
-              <a:ext uri="{FF2B5EF4-FFF2-40B4-BE49-F238E27FC236}">
-                <a16:creationId xmlns:a16="http://schemas.microsoft.com/office/drawing/2014/main" id="{28B513FA-8D63-4C30-B42F-A2912A28DCAA}"/>
-              </a:ext>
-            </a:extLst>
-          </p:cNvPr>
-          <p:cNvGrpSpPr/>
+      <p:pic>
+        <p:nvPicPr>
+          <p:cNvPr id="4" name="Imatge 3">
+            <a:extLst>
+              <a:ext uri="{FF2B5EF4-FFF2-40B4-BE49-F238E27FC236}">
+                <a16:creationId xmlns:a16="http://schemas.microsoft.com/office/drawing/2014/main" id="{55A98C3C-492F-4308-B215-294082EB6C48}"/>
+              </a:ext>
+            </a:extLst>
+          </p:cNvPr>
+          <p:cNvPicPr>
+            <a:picLocks noChangeAspect="1"/>
+          </p:cNvPicPr>
           <p:nvPr/>
-        </p:nvGrpSpPr>
-        <p:grpSpPr>
+        </p:nvPicPr>
+        <p:blipFill>
+          <a:blip r:embed="rId2"/>
+          <a:stretch>
+            <a:fillRect/>
+          </a:stretch>
+        </p:blipFill>
+        <p:spPr>
           <a:xfrm>
-            <a:off x="761587" y="692093"/>
-            <a:ext cx="6173041" cy="3714751"/>
-            <a:chOff x="15223" y="743466"/>
-            <a:chExt cx="6173041" cy="3714751"/>
+            <a:off x="307309" y="692094"/>
+            <a:ext cx="6038850" cy="3714750"/>
           </a:xfrm>
-        </p:grpSpPr>
-        <p:grpSp>
-          <p:nvGrpSpPr>
-            <p:cNvPr id="29" name="Agrupa 28">
-              <a:extLst>
-                <a:ext uri="{FF2B5EF4-FFF2-40B4-BE49-F238E27FC236}">
-                  <a16:creationId xmlns:a16="http://schemas.microsoft.com/office/drawing/2014/main" id="{91D0D251-CDC4-40C3-AD4F-D7FD571B17CE}"/>
-                </a:ext>
-              </a:extLst>
-            </p:cNvPr>
-            <p:cNvGrpSpPr/>
-            <p:nvPr/>
-          </p:nvGrpSpPr>
-          <p:grpSpPr>
-            <a:xfrm>
-              <a:off x="15223" y="743466"/>
-              <a:ext cx="6173041" cy="3714751"/>
-              <a:chOff x="6001029" y="1006846"/>
-              <a:chExt cx="6173041" cy="3714751"/>
-            </a:xfrm>
-          </p:grpSpPr>
-          <p:grpSp>
-            <p:nvGrpSpPr>
-              <p:cNvPr id="26" name="Agrupa 25">
-                <a:extLst>
-                  <a:ext uri="{FF2B5EF4-FFF2-40B4-BE49-F238E27FC236}">
-                    <a16:creationId xmlns:a16="http://schemas.microsoft.com/office/drawing/2014/main" id="{CC127E35-EB6C-44E3-A46A-CE0BF26A5943}"/>
-                  </a:ext>
-                </a:extLst>
-              </p:cNvPr>
-              <p:cNvGrpSpPr/>
-              <p:nvPr/>
-            </p:nvGrpSpPr>
-            <p:grpSpPr>
-              <a:xfrm>
-                <a:off x="6001029" y="1006846"/>
-                <a:ext cx="6173041" cy="3714751"/>
-                <a:chOff x="5855913" y="1293718"/>
-                <a:chExt cx="6173041" cy="3714751"/>
-              </a:xfrm>
-            </p:grpSpPr>
-            <p:pic>
-              <p:nvPicPr>
-                <p:cNvPr id="4" name="Imatge 3">
-                  <a:extLst>
-                    <a:ext uri="{FF2B5EF4-FFF2-40B4-BE49-F238E27FC236}">
-                      <a16:creationId xmlns:a16="http://schemas.microsoft.com/office/drawing/2014/main" id="{55A98C3C-492F-4308-B215-294082EB6C48}"/>
-                    </a:ext>
-                  </a:extLst>
-                </p:cNvPr>
-                <p:cNvPicPr>
-                  <a:picLocks noChangeAspect="1"/>
-                </p:cNvPicPr>
-                <p:nvPr/>
-              </p:nvPicPr>
-              <p:blipFill>
-                <a:blip r:embed="rId2"/>
-                <a:stretch>
-                  <a:fillRect/>
-                </a:stretch>
-              </p:blipFill>
-              <p:spPr>
-                <a:xfrm>
-                  <a:off x="5990104" y="1293719"/>
-                  <a:ext cx="6038850" cy="3714750"/>
-                </a:xfrm>
-                <a:prstGeom prst="rect">
-                  <a:avLst/>
-                </a:prstGeom>
-              </p:spPr>
-            </p:pic>
-            <p:cxnSp>
-              <p:nvCxnSpPr>
-                <p:cNvPr id="9" name="Connector recte 8">
-                  <a:extLst>
-                    <a:ext uri="{FF2B5EF4-FFF2-40B4-BE49-F238E27FC236}">
-                      <a16:creationId xmlns:a16="http://schemas.microsoft.com/office/drawing/2014/main" id="{7FDEB7BF-D55E-48B8-974C-2860D64250AF}"/>
-                    </a:ext>
-                  </a:extLst>
-                </p:cNvPr>
-                <p:cNvCxnSpPr/>
-                <p:nvPr/>
-              </p:nvCxnSpPr>
-              <p:spPr>
-                <a:xfrm flipV="1">
-                  <a:off x="8658679" y="1739153"/>
-                  <a:ext cx="1013012" cy="1456766"/>
-                </a:xfrm>
-                <a:prstGeom prst="line">
-                  <a:avLst/>
-                </a:prstGeom>
-                <a:ln>
-                  <a:solidFill>
-                    <a:schemeClr val="tx1"/>
-                  </a:solidFill>
-                  <a:prstDash val="sysDash"/>
-                </a:ln>
-              </p:spPr>
-              <p:style>
-                <a:lnRef idx="2">
-                  <a:schemeClr val="accent1"/>
-                </a:lnRef>
-                <a:fillRef idx="0">
-                  <a:schemeClr val="accent1"/>
-                </a:fillRef>
-                <a:effectRef idx="1">
-                  <a:schemeClr val="accent1"/>
-                </a:effectRef>
-                <a:fontRef idx="minor">
-                  <a:schemeClr val="tx1"/>
-                </a:fontRef>
-              </p:style>
-            </p:cxnSp>
-            <p:cxnSp>
-              <p:nvCxnSpPr>
-                <p:cNvPr id="10" name="Connector de fletxa recta 9">
-                  <a:extLst>
-                    <a:ext uri="{FF2B5EF4-FFF2-40B4-BE49-F238E27FC236}">
-                      <a16:creationId xmlns:a16="http://schemas.microsoft.com/office/drawing/2014/main" id="{BEDFE14C-BB7B-42DC-9D1F-184CE8665D48}"/>
-                    </a:ext>
-                  </a:extLst>
-                </p:cNvPr>
-                <p:cNvCxnSpPr/>
-                <p:nvPr/>
-              </p:nvCxnSpPr>
-              <p:spPr>
-                <a:xfrm flipH="1">
-                  <a:off x="6838844" y="3195919"/>
-                  <a:ext cx="1819835" cy="0"/>
-                </a:xfrm>
-                <a:prstGeom prst="straightConnector1">
-                  <a:avLst/>
-                </a:prstGeom>
-                <a:ln w="76200">
-                  <a:solidFill>
-                    <a:srgbClr val="FF0000"/>
-                  </a:solidFill>
-                  <a:tailEnd type="triangle"/>
-                </a:ln>
-              </p:spPr>
-              <p:style>
-                <a:lnRef idx="2">
-                  <a:schemeClr val="accent2"/>
-                </a:lnRef>
-                <a:fillRef idx="0">
-                  <a:schemeClr val="accent2"/>
-                </a:fillRef>
-                <a:effectRef idx="1">
-                  <a:schemeClr val="accent2"/>
-                </a:effectRef>
-                <a:fontRef idx="minor">
-                  <a:schemeClr val="tx1"/>
-                </a:fontRef>
-              </p:style>
-            </p:cxnSp>
-            <p:sp>
-              <p:nvSpPr>
-                <p:cNvPr id="11" name="QuadreDeText 10">
-                  <a:extLst>
-                    <a:ext uri="{FF2B5EF4-FFF2-40B4-BE49-F238E27FC236}">
-                      <a16:creationId xmlns:a16="http://schemas.microsoft.com/office/drawing/2014/main" id="{6AB85105-E3CC-4CE0-AAAC-C202B3A1783D}"/>
-                    </a:ext>
-                  </a:extLst>
-                </p:cNvPr>
-                <p:cNvSpPr txBox="1"/>
-                <p:nvPr/>
-              </p:nvSpPr>
-              <p:spPr>
-                <a:xfrm>
-                  <a:off x="7125714" y="2644588"/>
-                  <a:ext cx="373820" cy="584775"/>
-                </a:xfrm>
-                <a:prstGeom prst="rect">
-                  <a:avLst/>
-                </a:prstGeom>
-                <a:noFill/>
-              </p:spPr>
-              <p:txBody>
-                <a:bodyPr wrap="none" rtlCol="0">
-                  <a:spAutoFit/>
-                </a:bodyPr>
-                <a:lstStyle/>
-                <a:p>
-                  <a:r>
-                    <a:rPr lang="ca-ES" sz="3200" b="1" dirty="0">
-                      <a:solidFill>
-                        <a:srgbClr val="FF0000"/>
-                      </a:solidFill>
-                    </a:rPr>
-                    <a:t>x</a:t>
-                  </a:r>
-                  <a:endParaRPr lang="es-ES" sz="3200" b="1" dirty="0">
-                    <a:solidFill>
-                      <a:srgbClr val="FF0000"/>
-                    </a:solidFill>
-                  </a:endParaRPr>
-                </a:p>
-              </p:txBody>
-            </p:sp>
-            <p:cxnSp>
-              <p:nvCxnSpPr>
-                <p:cNvPr id="12" name="Connector recte 11">
-                  <a:extLst>
-                    <a:ext uri="{FF2B5EF4-FFF2-40B4-BE49-F238E27FC236}">
-                      <a16:creationId xmlns:a16="http://schemas.microsoft.com/office/drawing/2014/main" id="{8D3981DD-0312-4994-854F-CD13F621C274}"/>
-                    </a:ext>
-                  </a:extLst>
-                </p:cNvPr>
-                <p:cNvCxnSpPr>
-                  <a:cxnSpLocks/>
-                </p:cNvCxnSpPr>
-                <p:nvPr/>
-              </p:nvCxnSpPr>
-              <p:spPr>
-                <a:xfrm flipH="1" flipV="1">
-                  <a:off x="8634027" y="3216086"/>
-                  <a:ext cx="1146467" cy="1436599"/>
-                </a:xfrm>
-                <a:prstGeom prst="line">
-                  <a:avLst/>
-                </a:prstGeom>
-                <a:ln>
-                  <a:solidFill>
-                    <a:schemeClr val="tx1"/>
-                  </a:solidFill>
-                  <a:prstDash val="sysDash"/>
-                </a:ln>
-              </p:spPr>
-              <p:style>
-                <a:lnRef idx="2">
-                  <a:schemeClr val="accent1"/>
-                </a:lnRef>
-                <a:fillRef idx="0">
-                  <a:schemeClr val="accent1"/>
-                </a:fillRef>
-                <a:effectRef idx="1">
-                  <a:schemeClr val="accent1"/>
-                </a:effectRef>
-                <a:fontRef idx="minor">
-                  <a:schemeClr val="tx1"/>
-                </a:fontRef>
-              </p:style>
-            </p:cxnSp>
-            <p:sp>
-              <p:nvSpPr>
-                <p:cNvPr id="15" name="Rectangle 14">
-                  <a:extLst>
-                    <a:ext uri="{FF2B5EF4-FFF2-40B4-BE49-F238E27FC236}">
-                      <a16:creationId xmlns:a16="http://schemas.microsoft.com/office/drawing/2014/main" id="{96CFDC0D-C99D-4867-B6B3-CEC99DDA8229}"/>
-                    </a:ext>
-                  </a:extLst>
-                </p:cNvPr>
-                <p:cNvSpPr/>
-                <p:nvPr/>
-              </p:nvSpPr>
-              <p:spPr>
-                <a:xfrm>
-                  <a:off x="5855913" y="3458698"/>
-                  <a:ext cx="1219200" cy="197223"/>
-                </a:xfrm>
-                <a:prstGeom prst="rect">
-                  <a:avLst/>
-                </a:prstGeom>
-                <a:solidFill>
-                  <a:schemeClr val="bg1"/>
-                </a:solidFill>
-                <a:ln>
-                  <a:solidFill>
-                    <a:schemeClr val="bg1"/>
-                  </a:solidFill>
-                </a:ln>
-              </p:spPr>
-              <p:style>
-                <a:lnRef idx="2">
-                  <a:schemeClr val="accent1">
-                    <a:shade val="50000"/>
-                  </a:schemeClr>
-                </a:lnRef>
-                <a:fillRef idx="1">
-                  <a:schemeClr val="accent1"/>
-                </a:fillRef>
-                <a:effectRef idx="0">
-                  <a:schemeClr val="accent1"/>
-                </a:effectRef>
-                <a:fontRef idx="minor">
-                  <a:schemeClr val="lt1"/>
-                </a:fontRef>
-              </p:style>
-              <p:txBody>
-                <a:bodyPr rtlCol="0" anchor="ctr"/>
-                <a:lstStyle/>
-                <a:p>
-                  <a:pPr algn="ctr"/>
-                  <a:endParaRPr lang="es-ES"/>
-                </a:p>
-              </p:txBody>
-            </p:sp>
-            <p:sp>
-              <p:nvSpPr>
-                <p:cNvPr id="16" name="Rectangle 15">
-                  <a:extLst>
-                    <a:ext uri="{FF2B5EF4-FFF2-40B4-BE49-F238E27FC236}">
-                      <a16:creationId xmlns:a16="http://schemas.microsoft.com/office/drawing/2014/main" id="{207250F6-A628-451B-A9EA-8C30CCE0A9EE}"/>
-                    </a:ext>
-                  </a:extLst>
-                </p:cNvPr>
-                <p:cNvSpPr/>
-                <p:nvPr/>
-              </p:nvSpPr>
-              <p:spPr>
-                <a:xfrm>
-                  <a:off x="8581742" y="3709708"/>
-                  <a:ext cx="203669" cy="1298758"/>
-                </a:xfrm>
-                <a:prstGeom prst="rect">
-                  <a:avLst/>
-                </a:prstGeom>
-                <a:solidFill>
-                  <a:schemeClr val="bg1"/>
-                </a:solidFill>
-                <a:ln>
-                  <a:solidFill>
-                    <a:schemeClr val="bg1"/>
-                  </a:solidFill>
-                </a:ln>
-              </p:spPr>
-              <p:style>
-                <a:lnRef idx="2">
-                  <a:schemeClr val="accent1">
-                    <a:shade val="50000"/>
-                  </a:schemeClr>
-                </a:lnRef>
-                <a:fillRef idx="1">
-                  <a:schemeClr val="accent1"/>
-                </a:fillRef>
-                <a:effectRef idx="0">
-                  <a:schemeClr val="accent1"/>
-                </a:effectRef>
-                <a:fontRef idx="minor">
-                  <a:schemeClr val="lt1"/>
-                </a:fontRef>
-              </p:style>
-              <p:txBody>
-                <a:bodyPr rtlCol="0" anchor="ctr"/>
-                <a:lstStyle/>
-                <a:p>
-                  <a:pPr algn="ctr"/>
-                  <a:endParaRPr lang="es-ES"/>
-                </a:p>
-              </p:txBody>
-            </p:sp>
-            <p:sp>
-              <p:nvSpPr>
-                <p:cNvPr id="17" name="Rectangle 16">
-                  <a:extLst>
-                    <a:ext uri="{FF2B5EF4-FFF2-40B4-BE49-F238E27FC236}">
-                      <a16:creationId xmlns:a16="http://schemas.microsoft.com/office/drawing/2014/main" id="{8E2A1737-125D-4867-B079-A533458284EC}"/>
-                    </a:ext>
-                  </a:extLst>
-                </p:cNvPr>
-                <p:cNvSpPr/>
-                <p:nvPr/>
-              </p:nvSpPr>
-              <p:spPr>
-                <a:xfrm>
-                  <a:off x="8489749" y="1293718"/>
-                  <a:ext cx="295662" cy="1399334"/>
-                </a:xfrm>
-                <a:prstGeom prst="rect">
-                  <a:avLst/>
-                </a:prstGeom>
-                <a:solidFill>
-                  <a:schemeClr val="bg1"/>
-                </a:solidFill>
-                <a:ln>
-                  <a:solidFill>
-                    <a:schemeClr val="bg1"/>
-                  </a:solidFill>
-                </a:ln>
-              </p:spPr>
-              <p:style>
-                <a:lnRef idx="2">
-                  <a:schemeClr val="accent1">
-                    <a:shade val="50000"/>
-                  </a:schemeClr>
-                </a:lnRef>
-                <a:fillRef idx="1">
-                  <a:schemeClr val="accent1"/>
-                </a:fillRef>
-                <a:effectRef idx="0">
-                  <a:schemeClr val="accent1"/>
-                </a:effectRef>
-                <a:fontRef idx="minor">
-                  <a:schemeClr val="lt1"/>
-                </a:fontRef>
-              </p:style>
-              <p:txBody>
-                <a:bodyPr rtlCol="0" anchor="ctr"/>
-                <a:lstStyle/>
-                <a:p>
-                  <a:pPr algn="ctr"/>
-                  <a:endParaRPr lang="es-ES"/>
-                </a:p>
-              </p:txBody>
-            </p:sp>
-            <p:sp>
-              <p:nvSpPr>
-                <p:cNvPr id="14" name="Arc 13">
-                  <a:extLst>
-                    <a:ext uri="{FF2B5EF4-FFF2-40B4-BE49-F238E27FC236}">
-                      <a16:creationId xmlns:a16="http://schemas.microsoft.com/office/drawing/2014/main" id="{DAF4854E-5369-4C99-8B28-2F8DEA0604CD}"/>
-                    </a:ext>
-                  </a:extLst>
-                </p:cNvPr>
-                <p:cNvSpPr/>
-                <p:nvPr/>
-              </p:nvSpPr>
-              <p:spPr>
-                <a:xfrm>
-                  <a:off x="7786404" y="2339787"/>
-                  <a:ext cx="1743079" cy="1712259"/>
-                </a:xfrm>
-                <a:prstGeom prst="arc">
-                  <a:avLst>
-                    <a:gd name="adj1" fmla="val 10932156"/>
-                    <a:gd name="adj2" fmla="val 18283841"/>
-                  </a:avLst>
-                </a:prstGeom>
-                <a:ln w="28575">
-                  <a:prstDash val="dash"/>
-                  <a:headEnd type="none" w="med" len="med"/>
-                  <a:tailEnd type="triangle" w="med" len="med"/>
-                </a:ln>
-              </p:spPr>
-              <p:style>
-                <a:lnRef idx="2">
-                  <a:schemeClr val="accent1"/>
-                </a:lnRef>
-                <a:fillRef idx="0">
-                  <a:schemeClr val="accent1"/>
-                </a:fillRef>
-                <a:effectRef idx="1">
-                  <a:schemeClr val="accent1"/>
-                </a:effectRef>
-                <a:fontRef idx="minor">
-                  <a:schemeClr val="tx1"/>
-                </a:fontRef>
-              </p:style>
-              <p:txBody>
-                <a:bodyPr rtlCol="0" anchor="ctr"/>
-                <a:lstStyle/>
-                <a:p>
-                  <a:pPr algn="ctr"/>
-                  <a:endParaRPr lang="es-ES"/>
-                </a:p>
-              </p:txBody>
-            </p:sp>
-            <p:sp>
-              <p:nvSpPr>
-                <p:cNvPr id="18" name="Arc 17">
-                  <a:extLst>
-                    <a:ext uri="{FF2B5EF4-FFF2-40B4-BE49-F238E27FC236}">
-                      <a16:creationId xmlns:a16="http://schemas.microsoft.com/office/drawing/2014/main" id="{1146A34A-4F2A-4662-873A-E6B486727D98}"/>
-                    </a:ext>
-                  </a:extLst>
-                </p:cNvPr>
-                <p:cNvSpPr/>
-                <p:nvPr/>
-              </p:nvSpPr>
-              <p:spPr>
-                <a:xfrm>
-                  <a:off x="7786408" y="2357719"/>
-                  <a:ext cx="1743079" cy="1712259"/>
-                </a:xfrm>
-                <a:prstGeom prst="arc">
-                  <a:avLst>
-                    <a:gd name="adj1" fmla="val 3235628"/>
-                    <a:gd name="adj2" fmla="val 10542900"/>
-                  </a:avLst>
-                </a:prstGeom>
-                <a:ln w="28575">
-                  <a:prstDash val="dash"/>
-                  <a:headEnd type="triangle" w="med" len="med"/>
-                  <a:tailEnd type="none" w="med" len="med"/>
-                </a:ln>
-              </p:spPr>
-              <p:style>
-                <a:lnRef idx="2">
-                  <a:schemeClr val="accent1"/>
-                </a:lnRef>
-                <a:fillRef idx="0">
-                  <a:schemeClr val="accent1"/>
-                </a:fillRef>
-                <a:effectRef idx="1">
-                  <a:schemeClr val="accent1"/>
-                </a:effectRef>
-                <a:fontRef idx="minor">
-                  <a:schemeClr val="tx1"/>
-                </a:fontRef>
-              </p:style>
-              <p:txBody>
-                <a:bodyPr rtlCol="0" anchor="ctr"/>
-                <a:lstStyle/>
-                <a:p>
-                  <a:pPr algn="ctr"/>
-                  <a:endParaRPr lang="es-ES"/>
-                </a:p>
-              </p:txBody>
-            </p:sp>
-            <p:sp>
-              <p:nvSpPr>
-                <p:cNvPr id="19" name="QuadreDeText 18">
-                  <a:extLst>
-                    <a:ext uri="{FF2B5EF4-FFF2-40B4-BE49-F238E27FC236}">
-                      <a16:creationId xmlns:a16="http://schemas.microsoft.com/office/drawing/2014/main" id="{91905C0E-AA09-4343-80B7-2A992CFE5CAE}"/>
-                    </a:ext>
-                  </a:extLst>
-                </p:cNvPr>
-                <p:cNvSpPr txBox="1"/>
-                <p:nvPr/>
-              </p:nvSpPr>
-              <p:spPr>
-                <a:xfrm>
-                  <a:off x="8958996" y="1369821"/>
-                  <a:ext cx="1326004" cy="369332"/>
-                </a:xfrm>
-                <a:prstGeom prst="rect">
-                  <a:avLst/>
-                </a:prstGeom>
-                <a:noFill/>
-              </p:spPr>
-              <p:txBody>
-                <a:bodyPr wrap="none" rtlCol="0">
-                  <a:spAutoFit/>
-                </a:bodyPr>
-                <a:lstStyle/>
-                <a:p>
-                  <a:r>
-                    <a:rPr lang="es-ES" b="1" i="0" dirty="0">
-                      <a:solidFill>
-                        <a:srgbClr val="333333"/>
-                      </a:solidFill>
-                      <a:effectLst/>
-                      <a:latin typeface="Arial" panose="020B0604020202020204" pitchFamily="34" charset="0"/>
-                      <a:cs typeface="Arial" panose="020B0604020202020204" pitchFamily="34" charset="0"/>
-                    </a:rPr>
-                    <a:t>angle_min</a:t>
-                  </a:r>
-                  <a:endParaRPr lang="es-ES" b="1" dirty="0">
-                    <a:latin typeface="Arial" panose="020B0604020202020204" pitchFamily="34" charset="0"/>
-                    <a:cs typeface="Arial" panose="020B0604020202020204" pitchFamily="34" charset="0"/>
-                  </a:endParaRPr>
-                </a:p>
-              </p:txBody>
-            </p:sp>
-            <p:sp>
-              <p:nvSpPr>
-                <p:cNvPr id="20" name="QuadreDeText 19">
-                  <a:extLst>
-                    <a:ext uri="{FF2B5EF4-FFF2-40B4-BE49-F238E27FC236}">
-                      <a16:creationId xmlns:a16="http://schemas.microsoft.com/office/drawing/2014/main" id="{542C70C3-C242-49C5-8EE0-8B93E1D8144D}"/>
-                    </a:ext>
-                  </a:extLst>
-                </p:cNvPr>
-                <p:cNvSpPr txBox="1"/>
-                <p:nvPr/>
-              </p:nvSpPr>
-              <p:spPr>
-                <a:xfrm>
-                  <a:off x="9039837" y="4632362"/>
-                  <a:ext cx="1377300" cy="369332"/>
-                </a:xfrm>
-                <a:prstGeom prst="rect">
-                  <a:avLst/>
-                </a:prstGeom>
-                <a:noFill/>
-              </p:spPr>
-              <p:txBody>
-                <a:bodyPr wrap="none" rtlCol="0">
-                  <a:spAutoFit/>
-                </a:bodyPr>
-                <a:lstStyle/>
-                <a:p>
-                  <a:r>
-                    <a:rPr lang="es-ES" b="1" i="0" dirty="0">
-                      <a:solidFill>
-                        <a:srgbClr val="333333"/>
-                      </a:solidFill>
-                      <a:effectLst/>
-                      <a:latin typeface="Arial" panose="020B0604020202020204" pitchFamily="34" charset="0"/>
-                      <a:cs typeface="Arial" panose="020B0604020202020204" pitchFamily="34" charset="0"/>
-                    </a:rPr>
-                    <a:t>angle_max</a:t>
-                  </a:r>
-                  <a:endParaRPr lang="es-ES" b="1" dirty="0">
-                    <a:latin typeface="Arial" panose="020B0604020202020204" pitchFamily="34" charset="0"/>
-                    <a:cs typeface="Arial" panose="020B0604020202020204" pitchFamily="34" charset="0"/>
-                  </a:endParaRPr>
-                </a:p>
-              </p:txBody>
-            </p:sp>
-            <p:sp>
-              <p:nvSpPr>
-                <p:cNvPr id="25" name="QuadreDeText 24">
-                  <a:extLst>
-                    <a:ext uri="{FF2B5EF4-FFF2-40B4-BE49-F238E27FC236}">
-                      <a16:creationId xmlns:a16="http://schemas.microsoft.com/office/drawing/2014/main" id="{6F1682FB-97BC-4304-B82C-17BC7C7FC72D}"/>
-                    </a:ext>
-                  </a:extLst>
-                </p:cNvPr>
-                <p:cNvSpPr txBox="1"/>
-                <p:nvPr/>
-              </p:nvSpPr>
-              <p:spPr>
-                <a:xfrm>
-                  <a:off x="5944736" y="4376144"/>
-                  <a:ext cx="2275899" cy="276999"/>
-                </a:xfrm>
-                <a:prstGeom prst="rect">
-                  <a:avLst/>
-                </a:prstGeom>
-                <a:noFill/>
-              </p:spPr>
-              <p:txBody>
-                <a:bodyPr wrap="square">
-                  <a:spAutoFit/>
-                </a:bodyPr>
-                <a:lstStyle/>
-                <a:p>
-                  <a:r>
-                    <a:rPr lang="es-ES" sz="1200" b="1" i="0" dirty="0">
-                      <a:solidFill>
-                        <a:srgbClr val="333333"/>
-                      </a:solidFill>
-                      <a:effectLst/>
-                      <a:latin typeface="Arial" panose="020B0604020202020204" pitchFamily="34" charset="0"/>
-                      <a:cs typeface="Arial" panose="020B0604020202020204" pitchFamily="34" charset="0"/>
-                    </a:rPr>
-                    <a:t>angle_increment (rad/index)</a:t>
-                  </a:r>
-                  <a:endParaRPr lang="es-ES" sz="1200" b="1" dirty="0">
-                    <a:latin typeface="Arial" panose="020B0604020202020204" pitchFamily="34" charset="0"/>
-                    <a:cs typeface="Arial" panose="020B0604020202020204" pitchFamily="34" charset="0"/>
-                  </a:endParaRPr>
-                </a:p>
-              </p:txBody>
-            </p:sp>
-          </p:grpSp>
-          <p:sp>
-            <p:nvSpPr>
-              <p:cNvPr id="28" name="QuadreDeText 27">
-                <a:extLst>
-                  <a:ext uri="{FF2B5EF4-FFF2-40B4-BE49-F238E27FC236}">
-                    <a16:creationId xmlns:a16="http://schemas.microsoft.com/office/drawing/2014/main" id="{C4B46251-E712-45FB-BDAC-8849EBAEFCD6}"/>
-                  </a:ext>
-                </a:extLst>
-              </p:cNvPr>
-              <p:cNvSpPr txBox="1"/>
-              <p:nvPr/>
-            </p:nvSpPr>
-            <p:spPr>
-              <a:xfrm>
-                <a:off x="9736412" y="1408073"/>
-                <a:ext cx="867289" cy="369332"/>
-              </a:xfrm>
-              <a:prstGeom prst="rect">
-                <a:avLst/>
-              </a:prstGeom>
-              <a:noFill/>
-            </p:spPr>
-            <p:txBody>
-              <a:bodyPr wrap="none" rtlCol="0">
-                <a:spAutoFit/>
-              </a:bodyPr>
-              <a:lstStyle/>
-              <a:p>
-                <a:r>
-                  <a:rPr lang="ca-ES" dirty="0"/>
-                  <a:t>Index 0</a:t>
-                </a:r>
-                <a:endParaRPr lang="es-ES" dirty="0"/>
-              </a:p>
-            </p:txBody>
-          </p:sp>
-        </p:grpSp>
-        <p:sp>
-          <p:nvSpPr>
-            <p:cNvPr id="30" name="Rectangle 29">
-              <a:extLst>
-                <a:ext uri="{FF2B5EF4-FFF2-40B4-BE49-F238E27FC236}">
-                  <a16:creationId xmlns:a16="http://schemas.microsoft.com/office/drawing/2014/main" id="{8AE7A2D3-EEC3-45D4-BBB6-8F8B39AB0BA7}"/>
-                </a:ext>
-              </a:extLst>
-            </p:cNvPr>
-            <p:cNvSpPr/>
-            <p:nvPr/>
-          </p:nvSpPr>
-          <p:spPr>
-            <a:xfrm>
-              <a:off x="4651535" y="2335349"/>
-              <a:ext cx="1451052" cy="258944"/>
-            </a:xfrm>
-            <a:prstGeom prst="rect">
-              <a:avLst/>
-            </a:prstGeom>
+          <a:prstGeom prst="rect">
+            <a:avLst/>
+          </a:prstGeom>
+        </p:spPr>
+      </p:pic>
+      <p:cxnSp>
+        <p:nvCxnSpPr>
+          <p:cNvPr id="9" name="Connector recte 8">
+            <a:extLst>
+              <a:ext uri="{FF2B5EF4-FFF2-40B4-BE49-F238E27FC236}">
+                <a16:creationId xmlns:a16="http://schemas.microsoft.com/office/drawing/2014/main" id="{7FDEB7BF-D55E-48B8-974C-2860D64250AF}"/>
+              </a:ext>
+            </a:extLst>
+          </p:cNvPr>
+          <p:cNvCxnSpPr>
+            <a:cxnSpLocks/>
+          </p:cNvCxnSpPr>
+          <p:nvPr/>
+        </p:nvCxnSpPr>
+        <p:spPr>
+          <a:xfrm flipH="1" flipV="1">
+            <a:off x="1855960" y="1462652"/>
+            <a:ext cx="1092757" cy="1131642"/>
+          </a:xfrm>
+          <a:prstGeom prst="line">
+            <a:avLst/>
+          </a:prstGeom>
+          <a:ln>
+            <a:solidFill>
+              <a:schemeClr val="tx1"/>
+            </a:solidFill>
+            <a:prstDash val="sysDash"/>
+          </a:ln>
+        </p:spPr>
+        <p:style>
+          <a:lnRef idx="2">
+            <a:schemeClr val="accent1"/>
+          </a:lnRef>
+          <a:fillRef idx="0">
+            <a:schemeClr val="accent1"/>
+          </a:fillRef>
+          <a:effectRef idx="1">
+            <a:schemeClr val="accent1"/>
+          </a:effectRef>
+          <a:fontRef idx="minor">
+            <a:schemeClr val="tx1"/>
+          </a:fontRef>
+        </p:style>
+      </p:cxnSp>
+      <p:cxnSp>
+        <p:nvCxnSpPr>
+          <p:cNvPr id="12" name="Connector recte 11">
+            <a:extLst>
+              <a:ext uri="{FF2B5EF4-FFF2-40B4-BE49-F238E27FC236}">
+                <a16:creationId xmlns:a16="http://schemas.microsoft.com/office/drawing/2014/main" id="{8D3981DD-0312-4994-854F-CD13F621C274}"/>
+              </a:ext>
+            </a:extLst>
+          </p:cNvPr>
+          <p:cNvCxnSpPr>
+            <a:cxnSpLocks/>
+          </p:cNvCxnSpPr>
+          <p:nvPr/>
+        </p:nvCxnSpPr>
+        <p:spPr>
+          <a:xfrm flipV="1">
+            <a:off x="1955548" y="2614461"/>
+            <a:ext cx="968517" cy="1416276"/>
+          </a:xfrm>
+          <a:prstGeom prst="line">
+            <a:avLst/>
+          </a:prstGeom>
+          <a:ln>
+            <a:solidFill>
+              <a:schemeClr val="tx1"/>
+            </a:solidFill>
+            <a:prstDash val="sysDash"/>
+          </a:ln>
+        </p:spPr>
+        <p:style>
+          <a:lnRef idx="2">
+            <a:schemeClr val="accent1"/>
+          </a:lnRef>
+          <a:fillRef idx="0">
+            <a:schemeClr val="accent1"/>
+          </a:fillRef>
+          <a:effectRef idx="1">
+            <a:schemeClr val="accent1"/>
+          </a:effectRef>
+          <a:fontRef idx="minor">
+            <a:schemeClr val="tx1"/>
+          </a:fontRef>
+        </p:style>
+      </p:cxnSp>
+      <p:sp>
+        <p:nvSpPr>
+          <p:cNvPr id="15" name="Rectangle 14">
+            <a:extLst>
+              <a:ext uri="{FF2B5EF4-FFF2-40B4-BE49-F238E27FC236}">
+                <a16:creationId xmlns:a16="http://schemas.microsoft.com/office/drawing/2014/main" id="{96CFDC0D-C99D-4867-B6B3-CEC99DDA8229}"/>
+              </a:ext>
+            </a:extLst>
+          </p:cNvPr>
+          <p:cNvSpPr/>
+          <p:nvPr/>
+        </p:nvSpPr>
+        <p:spPr>
+          <a:xfrm>
+            <a:off x="145951" y="2857073"/>
+            <a:ext cx="1219200" cy="197223"/>
+          </a:xfrm>
+          <a:prstGeom prst="rect">
+            <a:avLst/>
+          </a:prstGeom>
+          <a:solidFill>
+            <a:schemeClr val="bg1"/>
+          </a:solidFill>
+          <a:ln>
             <a:solidFill>
               <a:schemeClr val="bg1"/>
             </a:solidFill>
-            <a:ln>
-              <a:solidFill>
-                <a:schemeClr val="bg1"/>
-              </a:solidFill>
-            </a:ln>
-          </p:spPr>
-          <p:style>
-            <a:lnRef idx="2">
-              <a:schemeClr val="accent1">
-                <a:shade val="50000"/>
-              </a:schemeClr>
-            </a:lnRef>
-            <a:fillRef idx="1">
-              <a:schemeClr val="accent1"/>
-            </a:fillRef>
-            <a:effectRef idx="0">
-              <a:schemeClr val="accent1"/>
-            </a:effectRef>
-            <a:fontRef idx="minor">
-              <a:schemeClr val="lt1"/>
-            </a:fontRef>
-          </p:style>
-          <p:txBody>
-            <a:bodyPr rtlCol="0" anchor="ctr"/>
-            <a:lstStyle/>
-            <a:p>
-              <a:pPr algn="ctr"/>
-              <a:endParaRPr lang="es-ES"/>
-            </a:p>
-          </p:txBody>
-        </p:sp>
-      </p:grpSp>
+          </a:ln>
+        </p:spPr>
+        <p:style>
+          <a:lnRef idx="2">
+            <a:schemeClr val="accent1">
+              <a:shade val="50000"/>
+            </a:schemeClr>
+          </a:lnRef>
+          <a:fillRef idx="1">
+            <a:schemeClr val="accent1"/>
+          </a:fillRef>
+          <a:effectRef idx="0">
+            <a:schemeClr val="accent1"/>
+          </a:effectRef>
+          <a:fontRef idx="minor">
+            <a:schemeClr val="lt1"/>
+          </a:fontRef>
+        </p:style>
+        <p:txBody>
+          <a:bodyPr rtlCol="0" anchor="ctr"/>
+          <a:lstStyle/>
+          <a:p>
+            <a:pPr algn="ctr"/>
+            <a:endParaRPr lang="es-ES"/>
+          </a:p>
+        </p:txBody>
+      </p:sp>
+      <p:sp>
+        <p:nvSpPr>
+          <p:cNvPr id="16" name="Rectangle 15">
+            <a:extLst>
+              <a:ext uri="{FF2B5EF4-FFF2-40B4-BE49-F238E27FC236}">
+                <a16:creationId xmlns:a16="http://schemas.microsoft.com/office/drawing/2014/main" id="{207250F6-A628-451B-A9EA-8C30CCE0A9EE}"/>
+              </a:ext>
+            </a:extLst>
+          </p:cNvPr>
+          <p:cNvSpPr/>
+          <p:nvPr/>
+        </p:nvSpPr>
+        <p:spPr>
+          <a:xfrm>
+            <a:off x="2871780" y="3108083"/>
+            <a:ext cx="203669" cy="1298758"/>
+          </a:xfrm>
+          <a:prstGeom prst="rect">
+            <a:avLst/>
+          </a:prstGeom>
+          <a:solidFill>
+            <a:schemeClr val="bg1"/>
+          </a:solidFill>
+          <a:ln>
+            <a:solidFill>
+              <a:schemeClr val="bg1"/>
+            </a:solidFill>
+          </a:ln>
+        </p:spPr>
+        <p:style>
+          <a:lnRef idx="2">
+            <a:schemeClr val="accent1">
+              <a:shade val="50000"/>
+            </a:schemeClr>
+          </a:lnRef>
+          <a:fillRef idx="1">
+            <a:schemeClr val="accent1"/>
+          </a:fillRef>
+          <a:effectRef idx="0">
+            <a:schemeClr val="accent1"/>
+          </a:effectRef>
+          <a:fontRef idx="minor">
+            <a:schemeClr val="lt1"/>
+          </a:fontRef>
+        </p:style>
+        <p:txBody>
+          <a:bodyPr rtlCol="0" anchor="ctr"/>
+          <a:lstStyle/>
+          <a:p>
+            <a:pPr algn="ctr"/>
+            <a:endParaRPr lang="es-ES"/>
+          </a:p>
+        </p:txBody>
+      </p:sp>
+      <p:sp>
+        <p:nvSpPr>
+          <p:cNvPr id="17" name="Rectangle 16">
+            <a:extLst>
+              <a:ext uri="{FF2B5EF4-FFF2-40B4-BE49-F238E27FC236}">
+                <a16:creationId xmlns:a16="http://schemas.microsoft.com/office/drawing/2014/main" id="{8E2A1737-125D-4867-B079-A533458284EC}"/>
+              </a:ext>
+            </a:extLst>
+          </p:cNvPr>
+          <p:cNvSpPr/>
+          <p:nvPr/>
+        </p:nvSpPr>
+        <p:spPr>
+          <a:xfrm>
+            <a:off x="2779787" y="692093"/>
+            <a:ext cx="295662" cy="1399334"/>
+          </a:xfrm>
+          <a:prstGeom prst="rect">
+            <a:avLst/>
+          </a:prstGeom>
+          <a:solidFill>
+            <a:schemeClr val="bg1"/>
+          </a:solidFill>
+          <a:ln>
+            <a:solidFill>
+              <a:schemeClr val="bg1"/>
+            </a:solidFill>
+          </a:ln>
+        </p:spPr>
+        <p:style>
+          <a:lnRef idx="2">
+            <a:schemeClr val="accent1">
+              <a:shade val="50000"/>
+            </a:schemeClr>
+          </a:lnRef>
+          <a:fillRef idx="1">
+            <a:schemeClr val="accent1"/>
+          </a:fillRef>
+          <a:effectRef idx="0">
+            <a:schemeClr val="accent1"/>
+          </a:effectRef>
+          <a:fontRef idx="minor">
+            <a:schemeClr val="lt1"/>
+          </a:fontRef>
+        </p:style>
+        <p:txBody>
+          <a:bodyPr rtlCol="0" anchor="ctr"/>
+          <a:lstStyle/>
+          <a:p>
+            <a:pPr algn="ctr"/>
+            <a:endParaRPr lang="es-ES"/>
+          </a:p>
+        </p:txBody>
+      </p:sp>
+      <p:sp>
+        <p:nvSpPr>
+          <p:cNvPr id="14" name="Arc 13">
+            <a:extLst>
+              <a:ext uri="{FF2B5EF4-FFF2-40B4-BE49-F238E27FC236}">
+                <a16:creationId xmlns:a16="http://schemas.microsoft.com/office/drawing/2014/main" id="{DAF4854E-5369-4C99-8B28-2F8DEA0604CD}"/>
+              </a:ext>
+            </a:extLst>
+          </p:cNvPr>
+          <p:cNvSpPr/>
+          <p:nvPr/>
+        </p:nvSpPr>
+        <p:spPr>
+          <a:xfrm>
+            <a:off x="2076442" y="1738162"/>
+            <a:ext cx="1743079" cy="1712259"/>
+          </a:xfrm>
+          <a:prstGeom prst="arc">
+            <a:avLst>
+              <a:gd name="adj1" fmla="val 13986"/>
+              <a:gd name="adj2" fmla="val 7410775"/>
+            </a:avLst>
+          </a:prstGeom>
+          <a:ln w="28575">
+            <a:prstDash val="dash"/>
+            <a:headEnd type="none" w="med" len="med"/>
+            <a:tailEnd type="triangle" w="med" len="med"/>
+          </a:ln>
+        </p:spPr>
+        <p:style>
+          <a:lnRef idx="2">
+            <a:schemeClr val="accent1"/>
+          </a:lnRef>
+          <a:fillRef idx="0">
+            <a:schemeClr val="accent1"/>
+          </a:fillRef>
+          <a:effectRef idx="1">
+            <a:schemeClr val="accent1"/>
+          </a:effectRef>
+          <a:fontRef idx="minor">
+            <a:schemeClr val="tx1"/>
+          </a:fontRef>
+        </p:style>
+        <p:txBody>
+          <a:bodyPr rtlCol="0" anchor="ctr"/>
+          <a:lstStyle/>
+          <a:p>
+            <a:pPr algn="ctr"/>
+            <a:endParaRPr lang="es-ES"/>
+          </a:p>
+        </p:txBody>
+      </p:sp>
+      <p:sp>
+        <p:nvSpPr>
+          <p:cNvPr id="18" name="Arc 17">
+            <a:extLst>
+              <a:ext uri="{FF2B5EF4-FFF2-40B4-BE49-F238E27FC236}">
+                <a16:creationId xmlns:a16="http://schemas.microsoft.com/office/drawing/2014/main" id="{1146A34A-4F2A-4662-873A-E6B486727D98}"/>
+              </a:ext>
+            </a:extLst>
+          </p:cNvPr>
+          <p:cNvSpPr/>
+          <p:nvPr/>
+        </p:nvSpPr>
+        <p:spPr>
+          <a:xfrm>
+            <a:off x="2076446" y="1756094"/>
+            <a:ext cx="1743079" cy="1712259"/>
+          </a:xfrm>
+          <a:prstGeom prst="arc">
+            <a:avLst>
+              <a:gd name="adj1" fmla="val 13557809"/>
+              <a:gd name="adj2" fmla="val 21516027"/>
+            </a:avLst>
+          </a:prstGeom>
+          <a:ln w="28575">
+            <a:prstDash val="dash"/>
+            <a:headEnd type="triangle" w="med" len="med"/>
+            <a:tailEnd type="none" w="med" len="med"/>
+          </a:ln>
+        </p:spPr>
+        <p:style>
+          <a:lnRef idx="2">
+            <a:schemeClr val="accent1"/>
+          </a:lnRef>
+          <a:fillRef idx="0">
+            <a:schemeClr val="accent1"/>
+          </a:fillRef>
+          <a:effectRef idx="1">
+            <a:schemeClr val="accent1"/>
+          </a:effectRef>
+          <a:fontRef idx="minor">
+            <a:schemeClr val="tx1"/>
+          </a:fontRef>
+        </p:style>
+        <p:txBody>
+          <a:bodyPr rtlCol="0" anchor="ctr"/>
+          <a:lstStyle/>
+          <a:p>
+            <a:pPr algn="ctr"/>
+            <a:endParaRPr lang="es-ES"/>
+          </a:p>
+        </p:txBody>
+      </p:sp>
+      <p:sp>
+        <p:nvSpPr>
+          <p:cNvPr id="19" name="QuadreDeText 18">
+            <a:extLst>
+              <a:ext uri="{FF2B5EF4-FFF2-40B4-BE49-F238E27FC236}">
+                <a16:creationId xmlns:a16="http://schemas.microsoft.com/office/drawing/2014/main" id="{91905C0E-AA09-4343-80B7-2A992CFE5CAE}"/>
+              </a:ext>
+            </a:extLst>
+          </p:cNvPr>
+          <p:cNvSpPr txBox="1"/>
+          <p:nvPr/>
+        </p:nvSpPr>
+        <p:spPr>
+          <a:xfrm>
+            <a:off x="1113802" y="4000763"/>
+            <a:ext cx="1326004" cy="369332"/>
+          </a:xfrm>
+          <a:prstGeom prst="rect">
+            <a:avLst/>
+          </a:prstGeom>
+          <a:noFill/>
+        </p:spPr>
+        <p:txBody>
+          <a:bodyPr wrap="none" rtlCol="0">
+            <a:spAutoFit/>
+          </a:bodyPr>
+          <a:lstStyle/>
+          <a:p>
+            <a:r>
+              <a:rPr lang="es-ES" b="1" i="0" dirty="0">
+                <a:solidFill>
+                  <a:srgbClr val="333333"/>
+                </a:solidFill>
+                <a:effectLst/>
+                <a:latin typeface="Arial" panose="020B0604020202020204" pitchFamily="34" charset="0"/>
+                <a:cs typeface="Arial" panose="020B0604020202020204" pitchFamily="34" charset="0"/>
+              </a:rPr>
+              <a:t>angle_min</a:t>
+            </a:r>
+            <a:endParaRPr lang="es-ES" b="1" dirty="0">
+              <a:latin typeface="Arial" panose="020B0604020202020204" pitchFamily="34" charset="0"/>
+              <a:cs typeface="Arial" panose="020B0604020202020204" pitchFamily="34" charset="0"/>
+            </a:endParaRPr>
+          </a:p>
+        </p:txBody>
+      </p:sp>
+      <p:sp>
+        <p:nvSpPr>
+          <p:cNvPr id="20" name="QuadreDeText 19">
+            <a:extLst>
+              <a:ext uri="{FF2B5EF4-FFF2-40B4-BE49-F238E27FC236}">
+                <a16:creationId xmlns:a16="http://schemas.microsoft.com/office/drawing/2014/main" id="{542C70C3-C242-49C5-8EE0-8B93E1D8144D}"/>
+              </a:ext>
+            </a:extLst>
+          </p:cNvPr>
+          <p:cNvSpPr txBox="1"/>
+          <p:nvPr/>
+        </p:nvSpPr>
+        <p:spPr>
+          <a:xfrm>
+            <a:off x="1354631" y="978923"/>
+            <a:ext cx="1377300" cy="369332"/>
+          </a:xfrm>
+          <a:prstGeom prst="rect">
+            <a:avLst/>
+          </a:prstGeom>
+          <a:noFill/>
+        </p:spPr>
+        <p:txBody>
+          <a:bodyPr wrap="none" rtlCol="0">
+            <a:spAutoFit/>
+          </a:bodyPr>
+          <a:lstStyle/>
+          <a:p>
+            <a:r>
+              <a:rPr lang="es-ES" b="1" i="0" dirty="0">
+                <a:solidFill>
+                  <a:srgbClr val="333333"/>
+                </a:solidFill>
+                <a:effectLst/>
+                <a:latin typeface="Arial" panose="020B0604020202020204" pitchFamily="34" charset="0"/>
+                <a:cs typeface="Arial" panose="020B0604020202020204" pitchFamily="34" charset="0"/>
+              </a:rPr>
+              <a:t>angle_max</a:t>
+            </a:r>
+            <a:endParaRPr lang="es-ES" b="1" dirty="0">
+              <a:latin typeface="Arial" panose="020B0604020202020204" pitchFamily="34" charset="0"/>
+              <a:cs typeface="Arial" panose="020B0604020202020204" pitchFamily="34" charset="0"/>
+            </a:endParaRPr>
+          </a:p>
+        </p:txBody>
+      </p:sp>
+      <p:sp>
+        <p:nvSpPr>
+          <p:cNvPr id="25" name="QuadreDeText 24">
+            <a:extLst>
+              <a:ext uri="{FF2B5EF4-FFF2-40B4-BE49-F238E27FC236}">
+                <a16:creationId xmlns:a16="http://schemas.microsoft.com/office/drawing/2014/main" id="{6F1682FB-97BC-4304-B82C-17BC7C7FC72D}"/>
+              </a:ext>
+            </a:extLst>
+          </p:cNvPr>
+          <p:cNvSpPr txBox="1"/>
+          <p:nvPr/>
+        </p:nvSpPr>
+        <p:spPr>
+          <a:xfrm>
+            <a:off x="2983894" y="4042042"/>
+            <a:ext cx="2275899" cy="276999"/>
+          </a:xfrm>
+          <a:prstGeom prst="rect">
+            <a:avLst/>
+          </a:prstGeom>
+          <a:noFill/>
+        </p:spPr>
+        <p:txBody>
+          <a:bodyPr wrap="square">
+            <a:spAutoFit/>
+          </a:bodyPr>
+          <a:lstStyle/>
+          <a:p>
+            <a:r>
+              <a:rPr lang="es-ES" sz="1200" b="1" i="0" dirty="0">
+                <a:solidFill>
+                  <a:srgbClr val="333333"/>
+                </a:solidFill>
+                <a:effectLst/>
+                <a:latin typeface="Arial" panose="020B0604020202020204" pitchFamily="34" charset="0"/>
+                <a:cs typeface="Arial" panose="020B0604020202020204" pitchFamily="34" charset="0"/>
+              </a:rPr>
+              <a:t>angle_increment (rad/index)</a:t>
+            </a:r>
+            <a:endParaRPr lang="es-ES" sz="1200" b="1" dirty="0">
+              <a:latin typeface="Arial" panose="020B0604020202020204" pitchFamily="34" charset="0"/>
+              <a:cs typeface="Arial" panose="020B0604020202020204" pitchFamily="34" charset="0"/>
+            </a:endParaRPr>
+          </a:p>
+        </p:txBody>
+      </p:sp>
+      <p:sp>
+        <p:nvSpPr>
+          <p:cNvPr id="28" name="QuadreDeText 27">
+            <a:extLst>
+              <a:ext uri="{FF2B5EF4-FFF2-40B4-BE49-F238E27FC236}">
+                <a16:creationId xmlns:a16="http://schemas.microsoft.com/office/drawing/2014/main" id="{C4B46251-E712-45FB-BDAC-8849EBAEFCD6}"/>
+              </a:ext>
+            </a:extLst>
+          </p:cNvPr>
+          <p:cNvSpPr txBox="1"/>
+          <p:nvPr/>
+        </p:nvSpPr>
+        <p:spPr>
+          <a:xfrm>
+            <a:off x="1602662" y="4296859"/>
+            <a:ext cx="867289" cy="369332"/>
+          </a:xfrm>
+          <a:prstGeom prst="rect">
+            <a:avLst/>
+          </a:prstGeom>
+          <a:noFill/>
+        </p:spPr>
+        <p:txBody>
+          <a:bodyPr wrap="none" rtlCol="0">
+            <a:spAutoFit/>
+          </a:bodyPr>
+          <a:lstStyle/>
+          <a:p>
+            <a:r>
+              <a:rPr lang="ca-ES" dirty="0"/>
+              <a:t>Index 0</a:t>
+            </a:r>
+            <a:endParaRPr lang="es-ES" dirty="0"/>
+          </a:p>
+        </p:txBody>
+      </p:sp>
+      <p:sp>
+        <p:nvSpPr>
+          <p:cNvPr id="30" name="Rectangle 29">
+            <a:extLst>
+              <a:ext uri="{FF2B5EF4-FFF2-40B4-BE49-F238E27FC236}">
+                <a16:creationId xmlns:a16="http://schemas.microsoft.com/office/drawing/2014/main" id="{8AE7A2D3-EEC3-45D4-BBB6-8F8B39AB0BA7}"/>
+              </a:ext>
+            </a:extLst>
+          </p:cNvPr>
+          <p:cNvSpPr/>
+          <p:nvPr/>
+        </p:nvSpPr>
+        <p:spPr>
+          <a:xfrm>
+            <a:off x="4782263" y="2283976"/>
+            <a:ext cx="1451052" cy="258944"/>
+          </a:xfrm>
+          <a:prstGeom prst="rect">
+            <a:avLst/>
+          </a:prstGeom>
+          <a:solidFill>
+            <a:schemeClr val="bg1"/>
+          </a:solidFill>
+          <a:ln>
+            <a:solidFill>
+              <a:schemeClr val="bg1"/>
+            </a:solidFill>
+          </a:ln>
+        </p:spPr>
+        <p:style>
+          <a:lnRef idx="2">
+            <a:schemeClr val="accent1">
+              <a:shade val="50000"/>
+            </a:schemeClr>
+          </a:lnRef>
+          <a:fillRef idx="1">
+            <a:schemeClr val="accent1"/>
+          </a:fillRef>
+          <a:effectRef idx="0">
+            <a:schemeClr val="accent1"/>
+          </a:effectRef>
+          <a:fontRef idx="minor">
+            <a:schemeClr val="lt1"/>
+          </a:fontRef>
+        </p:style>
+        <p:txBody>
+          <a:bodyPr rtlCol="0" anchor="ctr"/>
+          <a:lstStyle/>
+          <a:p>
+            <a:pPr algn="ctr"/>
+            <a:endParaRPr lang="es-ES"/>
+          </a:p>
+        </p:txBody>
+      </p:sp>
       <p:grpSp>
         <p:nvGrpSpPr>
           <p:cNvPr id="27" name="Agrupa 26">
@@ -4434,7 +4287,7 @@
         </p:nvSpPr>
         <p:spPr>
           <a:xfrm>
-            <a:off x="895778" y="4893644"/>
+            <a:off x="572458" y="5026016"/>
             <a:ext cx="4988610" cy="369332"/>
           </a:xfrm>
           <a:prstGeom prst="rect">
@@ -4452,6 +4305,148 @@
               <a:rPr lang="es-ES" b="1" dirty="0"/>
               <a:t>angle_lidar= angle_min + index * angle_increment</a:t>
             </a:r>
+          </a:p>
+        </p:txBody>
+      </p:sp>
+      <p:cxnSp>
+        <p:nvCxnSpPr>
+          <p:cNvPr id="10" name="Connector de fletxa recta 9">
+            <a:extLst>
+              <a:ext uri="{FF2B5EF4-FFF2-40B4-BE49-F238E27FC236}">
+                <a16:creationId xmlns:a16="http://schemas.microsoft.com/office/drawing/2014/main" id="{BEDFE14C-BB7B-42DC-9D1F-184CE8665D48}"/>
+              </a:ext>
+            </a:extLst>
+          </p:cNvPr>
+          <p:cNvCxnSpPr>
+            <a:cxnSpLocks/>
+          </p:cNvCxnSpPr>
+          <p:nvPr/>
+        </p:nvCxnSpPr>
+        <p:spPr>
+          <a:xfrm>
+            <a:off x="2957689" y="2594294"/>
+            <a:ext cx="2522675" cy="0"/>
+          </a:xfrm>
+          <a:prstGeom prst="straightConnector1">
+            <a:avLst/>
+          </a:prstGeom>
+          <a:ln w="76200">
+            <a:solidFill>
+              <a:srgbClr val="FF0000"/>
+            </a:solidFill>
+            <a:tailEnd type="triangle"/>
+          </a:ln>
+        </p:spPr>
+        <p:style>
+          <a:lnRef idx="2">
+            <a:schemeClr val="accent2"/>
+          </a:lnRef>
+          <a:fillRef idx="0">
+            <a:schemeClr val="accent2"/>
+          </a:fillRef>
+          <a:effectRef idx="1">
+            <a:schemeClr val="accent2"/>
+          </a:effectRef>
+          <a:fontRef idx="minor">
+            <a:schemeClr val="tx1"/>
+          </a:fontRef>
+        </p:style>
+      </p:cxnSp>
+      <p:sp>
+        <p:nvSpPr>
+          <p:cNvPr id="11" name="QuadreDeText 10">
+            <a:extLst>
+              <a:ext uri="{FF2B5EF4-FFF2-40B4-BE49-F238E27FC236}">
+                <a16:creationId xmlns:a16="http://schemas.microsoft.com/office/drawing/2014/main" id="{6AB85105-E3CC-4CE0-AAAC-C202B3A1783D}"/>
+              </a:ext>
+            </a:extLst>
+          </p:cNvPr>
+          <p:cNvSpPr txBox="1"/>
+          <p:nvPr/>
+        </p:nvSpPr>
+        <p:spPr>
+          <a:xfrm>
+            <a:off x="4859130" y="2079174"/>
+            <a:ext cx="373820" cy="584775"/>
+          </a:xfrm>
+          <a:prstGeom prst="rect">
+            <a:avLst/>
+          </a:prstGeom>
+          <a:noFill/>
+        </p:spPr>
+        <p:txBody>
+          <a:bodyPr wrap="none" rtlCol="0">
+            <a:spAutoFit/>
+          </a:bodyPr>
+          <a:lstStyle/>
+          <a:p>
+            <a:r>
+              <a:rPr lang="ca-ES" sz="3200" b="1" dirty="0">
+                <a:solidFill>
+                  <a:srgbClr val="FF0000"/>
+                </a:solidFill>
+              </a:rPr>
+              <a:t>x</a:t>
+            </a:r>
+            <a:endParaRPr lang="es-ES" sz="3200" b="1" dirty="0">
+              <a:solidFill>
+                <a:srgbClr val="FF0000"/>
+              </a:solidFill>
+            </a:endParaRPr>
+          </a:p>
+        </p:txBody>
+      </p:sp>
+      <p:sp>
+        <p:nvSpPr>
+          <p:cNvPr id="13" name="Rectangle 12">
+            <a:extLst>
+              <a:ext uri="{FF2B5EF4-FFF2-40B4-BE49-F238E27FC236}">
+                <a16:creationId xmlns:a16="http://schemas.microsoft.com/office/drawing/2014/main" id="{B79BA282-F0A1-0B39-5AC5-C4EB0E280B07}"/>
+              </a:ext>
+            </a:extLst>
+          </p:cNvPr>
+          <p:cNvSpPr/>
+          <p:nvPr/>
+        </p:nvSpPr>
+        <p:spPr>
+          <a:xfrm>
+            <a:off x="606801" y="2529573"/>
+            <a:ext cx="2209401" cy="179118"/>
+          </a:xfrm>
+          <a:prstGeom prst="rect">
+            <a:avLst/>
+          </a:prstGeom>
+          <a:solidFill>
+            <a:schemeClr val="bg1"/>
+          </a:solidFill>
+          <a:ln>
+            <a:solidFill>
+              <a:schemeClr val="bg1"/>
+            </a:solidFill>
+          </a:ln>
+        </p:spPr>
+        <p:style>
+          <a:lnRef idx="2">
+            <a:schemeClr val="accent1">
+              <a:shade val="50000"/>
+            </a:schemeClr>
+          </a:lnRef>
+          <a:fillRef idx="1">
+            <a:schemeClr val="accent1"/>
+          </a:fillRef>
+          <a:effectRef idx="0">
+            <a:schemeClr val="accent1"/>
+          </a:effectRef>
+          <a:fontRef idx="minor">
+            <a:schemeClr val="lt1"/>
+          </a:fontRef>
+        </p:style>
+        <p:txBody>
+          <a:bodyPr rtlCol="0" anchor="ctr"/>
+          <a:lstStyle/>
+          <a:p>
+            <a:pPr algn="ctr"/>
+            <a:endParaRPr lang="es-ES"/>
           </a:p>
         </p:txBody>
       </p:sp>
